--- a/WaterDragonFootprint 발표 자료.pptx
+++ b/WaterDragonFootprint 발표 자료.pptx
@@ -4795,10 +4795,10 @@
       </p:grpSpPr>
       <p:grpSp>
         <p:nvGrpSpPr>
-          <p:cNvPr id="29" name="그룹 28">
-            <a:extLst>
-              <a:ext uri="{FF2B5EF4-FFF2-40B4-BE49-F238E27FC236}">
-                <a16:creationId xmlns:a16="http://schemas.microsoft.com/office/drawing/2014/main" id="{6BDD285F-5D01-4BC1-9B45-BB050630D5FB}"/>
+          <p:cNvPr id="26" name="그룹 25">
+            <a:extLst>
+              <a:ext uri="{FF2B5EF4-FFF2-40B4-BE49-F238E27FC236}">
+                <a16:creationId xmlns:a16="http://schemas.microsoft.com/office/drawing/2014/main" id="{599D6B38-9E52-484A-AE2F-7139B88EB791}"/>
               </a:ext>
             </a:extLst>
           </p:cNvPr>
@@ -4807,564 +4807,10 @@
         </p:nvGrpSpPr>
         <p:grpSpPr>
           <a:xfrm>
-            <a:off x="2785682" y="415127"/>
-            <a:ext cx="6620637" cy="5812645"/>
-            <a:chOff x="2780919" y="415127"/>
-            <a:chExt cx="6620637" cy="5812645"/>
-          </a:xfrm>
-        </p:grpSpPr>
-        <p:grpSp>
-          <p:nvGrpSpPr>
-            <p:cNvPr id="26" name="그룹 25">
-              <a:extLst>
-                <a:ext uri="{FF2B5EF4-FFF2-40B4-BE49-F238E27FC236}">
-                  <a16:creationId xmlns:a16="http://schemas.microsoft.com/office/drawing/2014/main" id="{599D6B38-9E52-484A-AE2F-7139B88EB791}"/>
-                </a:ext>
-              </a:extLst>
-            </p:cNvPr>
-            <p:cNvGrpSpPr/>
-            <p:nvPr/>
-          </p:nvGrpSpPr>
-          <p:grpSpPr>
-            <a:xfrm>
-              <a:off x="5573226" y="4894213"/>
-              <a:ext cx="1076326" cy="1333559"/>
-              <a:chOff x="5514974" y="4894213"/>
-              <a:chExt cx="1162051" cy="1333559"/>
-            </a:xfrm>
-          </p:grpSpPr>
-          <p:sp>
-            <p:nvSpPr>
-              <p:cNvPr id="2" name="TextBox 1">
-                <a:extLst>
-                  <a:ext uri="{FF2B5EF4-FFF2-40B4-BE49-F238E27FC236}">
-                    <a16:creationId xmlns:a16="http://schemas.microsoft.com/office/drawing/2014/main" id="{9AE502E0-DFD4-414A-8481-66E12AAEB534}"/>
-                  </a:ext>
-                </a:extLst>
-              </p:cNvPr>
-              <p:cNvSpPr txBox="1"/>
-              <p:nvPr/>
-            </p:nvSpPr>
-            <p:spPr>
-              <a:xfrm>
-                <a:off x="5514975" y="4894213"/>
-                <a:ext cx="1162050" cy="307777"/>
-              </a:xfrm>
-              <a:prstGeom prst="rect">
-                <a:avLst/>
-              </a:prstGeom>
-              <a:noFill/>
-            </p:spPr>
-            <p:txBody>
-              <a:bodyPr wrap="square" rtlCol="0">
-                <a:spAutoFit/>
-              </a:bodyPr>
-              <a:lstStyle/>
-              <a:p>
-                <a:pPr algn="dist"/>
-                <a:r>
-                  <a:rPr lang="ko-KR" altLang="en-US" sz="1370" dirty="0">
-                    <a:solidFill>
-                      <a:schemeClr val="bg1"/>
-                    </a:solidFill>
-                    <a:latin typeface="나눔스퀘어" panose="020B0600000101010101" pitchFamily="50" charset="-127"/>
-                    <a:ea typeface="나눔스퀘어" panose="020B0600000101010101" pitchFamily="50" charset="-127"/>
-                  </a:rPr>
-                  <a:t>신민선</a:t>
-                </a:r>
-                <a:endParaRPr lang="en-US" altLang="ko-KR" sz="1370" dirty="0">
-                  <a:solidFill>
-                    <a:schemeClr val="bg1"/>
-                  </a:solidFill>
-                  <a:latin typeface="나눔스퀘어" panose="020B0600000101010101" pitchFamily="50" charset="-127"/>
-                  <a:ea typeface="나눔스퀘어" panose="020B0600000101010101" pitchFamily="50" charset="-127"/>
-                </a:endParaRPr>
-              </a:p>
-            </p:txBody>
-          </p:sp>
-          <p:sp>
-            <p:nvSpPr>
-              <p:cNvPr id="12" name="TextBox 11">
-                <a:extLst>
-                  <a:ext uri="{FF2B5EF4-FFF2-40B4-BE49-F238E27FC236}">
-                    <a16:creationId xmlns:a16="http://schemas.microsoft.com/office/drawing/2014/main" id="{D45BDABA-1528-4462-8D61-3CC9BDA0D2E9}"/>
-                  </a:ext>
-                </a:extLst>
-              </p:cNvPr>
-              <p:cNvSpPr txBox="1"/>
-              <p:nvPr/>
-            </p:nvSpPr>
-            <p:spPr>
-              <a:xfrm>
-                <a:off x="5514975" y="5236140"/>
-                <a:ext cx="1162050" cy="307777"/>
-              </a:xfrm>
-              <a:prstGeom prst="rect">
-                <a:avLst/>
-              </a:prstGeom>
-              <a:noFill/>
-            </p:spPr>
-            <p:txBody>
-              <a:bodyPr wrap="square" rtlCol="0">
-                <a:spAutoFit/>
-              </a:bodyPr>
-              <a:lstStyle/>
-              <a:p>
-                <a:pPr algn="dist"/>
-                <a:r>
-                  <a:rPr lang="ko-KR" altLang="en-US" sz="1370" dirty="0">
-                    <a:solidFill>
-                      <a:schemeClr val="bg1"/>
-                    </a:solidFill>
-                    <a:latin typeface="나눔스퀘어" panose="020B0600000101010101" pitchFamily="50" charset="-127"/>
-                    <a:ea typeface="나눔스퀘어" panose="020B0600000101010101" pitchFamily="50" charset="-127"/>
-                  </a:rPr>
-                  <a:t>이지원</a:t>
-                </a:r>
-                <a:endParaRPr lang="en-US" altLang="ko-KR" sz="1370" dirty="0">
-                  <a:solidFill>
-                    <a:schemeClr val="bg1"/>
-                  </a:solidFill>
-                  <a:latin typeface="나눔스퀘어" panose="020B0600000101010101" pitchFamily="50" charset="-127"/>
-                  <a:ea typeface="나눔스퀘어" panose="020B0600000101010101" pitchFamily="50" charset="-127"/>
-                </a:endParaRPr>
-              </a:p>
-            </p:txBody>
-          </p:sp>
-          <p:sp>
-            <p:nvSpPr>
-              <p:cNvPr id="14" name="TextBox 13">
-                <a:extLst>
-                  <a:ext uri="{FF2B5EF4-FFF2-40B4-BE49-F238E27FC236}">
-                    <a16:creationId xmlns:a16="http://schemas.microsoft.com/office/drawing/2014/main" id="{12CBF55D-B743-4488-886C-693FCF77B5C8}"/>
-                  </a:ext>
-                </a:extLst>
-              </p:cNvPr>
-              <p:cNvSpPr txBox="1"/>
-              <p:nvPr/>
-            </p:nvSpPr>
-            <p:spPr>
-              <a:xfrm>
-                <a:off x="5514975" y="5578067"/>
-                <a:ext cx="1162050" cy="307777"/>
-              </a:xfrm>
-              <a:prstGeom prst="rect">
-                <a:avLst/>
-              </a:prstGeom>
-              <a:noFill/>
-            </p:spPr>
-            <p:txBody>
-              <a:bodyPr wrap="square" rtlCol="0">
-                <a:spAutoFit/>
-              </a:bodyPr>
-              <a:lstStyle/>
-              <a:p>
-                <a:pPr algn="dist"/>
-                <a:r>
-                  <a:rPr lang="ko-KR" altLang="en-US" sz="1370" dirty="0">
-                    <a:solidFill>
-                      <a:schemeClr val="bg1"/>
-                    </a:solidFill>
-                    <a:latin typeface="나눔스퀘어" panose="020B0600000101010101" pitchFamily="50" charset="-127"/>
-                    <a:ea typeface="나눔스퀘어" panose="020B0600000101010101" pitchFamily="50" charset="-127"/>
-                  </a:rPr>
-                  <a:t>이현지 </a:t>
-                </a:r>
-              </a:p>
-            </p:txBody>
-          </p:sp>
-          <p:sp>
-            <p:nvSpPr>
-              <p:cNvPr id="15" name="TextBox 14">
-                <a:extLst>
-                  <a:ext uri="{FF2B5EF4-FFF2-40B4-BE49-F238E27FC236}">
-                    <a16:creationId xmlns:a16="http://schemas.microsoft.com/office/drawing/2014/main" id="{7A715596-E9AD-4472-8C28-6C216B25132E}"/>
-                  </a:ext>
-                </a:extLst>
-              </p:cNvPr>
-              <p:cNvSpPr txBox="1"/>
-              <p:nvPr/>
-            </p:nvSpPr>
-            <p:spPr>
-              <a:xfrm>
-                <a:off x="5514974" y="5919995"/>
-                <a:ext cx="1162050" cy="307777"/>
-              </a:xfrm>
-              <a:prstGeom prst="rect">
-                <a:avLst/>
-              </a:prstGeom>
-              <a:noFill/>
-            </p:spPr>
-            <p:txBody>
-              <a:bodyPr wrap="square" rtlCol="0">
-                <a:spAutoFit/>
-              </a:bodyPr>
-              <a:lstStyle/>
-              <a:p>
-                <a:pPr algn="dist"/>
-                <a:r>
-                  <a:rPr lang="ko-KR" altLang="en-US" sz="1370" dirty="0">
-                    <a:solidFill>
-                      <a:schemeClr val="bg1"/>
-                    </a:solidFill>
-                    <a:latin typeface="나눔스퀘어" panose="020B0600000101010101" pitchFamily="50" charset="-127"/>
-                    <a:ea typeface="나눔스퀘어" panose="020B0600000101010101" pitchFamily="50" charset="-127"/>
-                  </a:rPr>
-                  <a:t>전채연 </a:t>
-                </a:r>
-              </a:p>
-            </p:txBody>
-          </p:sp>
-        </p:grpSp>
-        <p:pic>
-          <p:nvPicPr>
-            <p:cNvPr id="7" name="그림 6">
-              <a:extLst>
-                <a:ext uri="{FF2B5EF4-FFF2-40B4-BE49-F238E27FC236}">
-                  <a16:creationId xmlns:a16="http://schemas.microsoft.com/office/drawing/2014/main" id="{6ABCFD14-E233-41E5-A03C-4766543778B7}"/>
-                </a:ext>
-              </a:extLst>
-            </p:cNvPr>
-            <p:cNvPicPr>
-              <a:picLocks noChangeAspect="1"/>
-            </p:cNvPicPr>
-            <p:nvPr/>
-          </p:nvPicPr>
-          <p:blipFill>
-            <a:blip r:embed="rId2">
-              <a:extLst>
-                <a:ext uri="{28A0092B-C50C-407E-A947-70E740481C1C}">
-                  <a14:useLocalDpi xmlns:a14="http://schemas.microsoft.com/office/drawing/2010/main" val="0"/>
-                </a:ext>
-              </a:extLst>
-            </a:blip>
-            <a:stretch>
-              <a:fillRect/>
-            </a:stretch>
-          </p:blipFill>
-          <p:spPr>
-            <a:xfrm>
-              <a:off x="4317873" y="415127"/>
-              <a:ext cx="3270505" cy="3270505"/>
-            </a:xfrm>
-            <a:prstGeom prst="rect">
-              <a:avLst/>
-            </a:prstGeom>
-          </p:spPr>
-        </p:pic>
-        <p:grpSp>
-          <p:nvGrpSpPr>
-            <p:cNvPr id="36" name="그룹 35">
-              <a:extLst>
-                <a:ext uri="{FF2B5EF4-FFF2-40B4-BE49-F238E27FC236}">
-                  <a16:creationId xmlns:a16="http://schemas.microsoft.com/office/drawing/2014/main" id="{095B6046-E3DC-41F4-8CDA-DB54AEC23A59}"/>
-                </a:ext>
-              </a:extLst>
-            </p:cNvPr>
-            <p:cNvGrpSpPr/>
-            <p:nvPr/>
-          </p:nvGrpSpPr>
-          <p:grpSpPr>
-            <a:xfrm>
-              <a:off x="4286251" y="2915231"/>
-              <a:ext cx="3959490" cy="579600"/>
-              <a:chOff x="4936860" y="3187920"/>
-              <a:chExt cx="2387880" cy="579600"/>
-            </a:xfrm>
-          </p:grpSpPr>
-          <mc:AlternateContent xmlns:mc="http://schemas.openxmlformats.org/markup-compatibility/2006">
-            <mc:Choice xmlns:p14="http://schemas.microsoft.com/office/powerpoint/2010/main" Requires="p14">
-              <p:contentPart p14:bwMode="auto" r:id="rId3">
-                <p14:nvContentPartPr>
-                  <p14:cNvPr id="33" name="잉크 32">
-                    <a:extLst>
-                      <a:ext uri="{FF2B5EF4-FFF2-40B4-BE49-F238E27FC236}">
-                        <a16:creationId xmlns:a16="http://schemas.microsoft.com/office/drawing/2014/main" id="{CD3CC4A0-1CDA-4F9D-B4CC-BD117B147EDF}"/>
-                      </a:ext>
-                    </a:extLst>
-                  </p14:cNvPr>
-                  <p14:cNvContentPartPr/>
-                  <p14:nvPr/>
-                </p14:nvContentPartPr>
-                <p14:xfrm>
-                  <a:off x="4936860" y="3187920"/>
-                  <a:ext cx="2387880" cy="320400"/>
-                </p14:xfrm>
-              </p:contentPart>
-            </mc:Choice>
-            <mc:Fallback>
-              <p:pic>
-                <p:nvPicPr>
-                  <p:cNvPr id="33" name="잉크 32">
-                    <a:extLst>
-                      <a:ext uri="{FF2B5EF4-FFF2-40B4-BE49-F238E27FC236}">
-                        <a16:creationId xmlns:a16="http://schemas.microsoft.com/office/drawing/2014/main" id="{CD3CC4A0-1CDA-4F9D-B4CC-BD117B147EDF}"/>
-                      </a:ext>
-                    </a:extLst>
-                  </p:cNvPr>
-                  <p:cNvPicPr/>
-                  <p:nvPr/>
-                </p:nvPicPr>
-                <p:blipFill>
-                  <a:blip r:embed="rId4"/>
-                  <a:stretch>
-                    <a:fillRect/>
-                  </a:stretch>
-                </p:blipFill>
-                <p:spPr>
-                  <a:xfrm>
-                    <a:off x="4898864" y="3124849"/>
-                    <a:ext cx="2463655" cy="446181"/>
-                  </a:xfrm>
-                  <a:prstGeom prst="rect">
-                    <a:avLst/>
-                  </a:prstGeom>
-                </p:spPr>
-              </p:pic>
-            </mc:Fallback>
-          </mc:AlternateContent>
-          <mc:AlternateContent xmlns:mc="http://schemas.openxmlformats.org/markup-compatibility/2006">
-            <mc:Choice xmlns:p14="http://schemas.microsoft.com/office/powerpoint/2010/main" Requires="p14">
-              <p:contentPart p14:bwMode="auto" r:id="rId5">
-                <p14:nvContentPartPr>
-                  <p14:cNvPr id="34" name="잉크 33">
-                    <a:extLst>
-                      <a:ext uri="{FF2B5EF4-FFF2-40B4-BE49-F238E27FC236}">
-                        <a16:creationId xmlns:a16="http://schemas.microsoft.com/office/drawing/2014/main" id="{FF97337C-9C32-431F-B1DF-2D92E3EEA415}"/>
-                      </a:ext>
-                    </a:extLst>
-                  </p14:cNvPr>
-                  <p14:cNvContentPartPr/>
-                  <p14:nvPr/>
-                </p14:nvContentPartPr>
-                <p14:xfrm>
-                  <a:off x="5363100" y="3321480"/>
-                  <a:ext cx="1474920" cy="330840"/>
-                </p14:xfrm>
-              </p:contentPart>
-            </mc:Choice>
-            <mc:Fallback>
-              <p:pic>
-                <p:nvPicPr>
-                  <p:cNvPr id="34" name="잉크 33">
-                    <a:extLst>
-                      <a:ext uri="{FF2B5EF4-FFF2-40B4-BE49-F238E27FC236}">
-                        <a16:creationId xmlns:a16="http://schemas.microsoft.com/office/drawing/2014/main" id="{FF97337C-9C32-431F-B1DF-2D92E3EEA415}"/>
-                      </a:ext>
-                    </a:extLst>
-                  </p:cNvPr>
-                  <p:cNvPicPr/>
-                  <p:nvPr/>
-                </p:nvPicPr>
-                <p:blipFill>
-                  <a:blip r:embed="rId6"/>
-                  <a:stretch>
-                    <a:fillRect/>
-                  </a:stretch>
-                </p:blipFill>
-                <p:spPr>
-                  <a:xfrm>
-                    <a:off x="5325103" y="3258480"/>
-                    <a:ext cx="1550696" cy="456480"/>
-                  </a:xfrm>
-                  <a:prstGeom prst="rect">
-                    <a:avLst/>
-                  </a:prstGeom>
-                </p:spPr>
-              </p:pic>
-            </mc:Fallback>
-          </mc:AlternateContent>
-          <mc:AlternateContent xmlns:mc="http://schemas.openxmlformats.org/markup-compatibility/2006">
-            <mc:Choice xmlns:p14="http://schemas.microsoft.com/office/powerpoint/2010/main" Requires="p14">
-              <p:contentPart p14:bwMode="auto" r:id="rId7">
-                <p14:nvContentPartPr>
-                  <p14:cNvPr id="35" name="잉크 34">
-                    <a:extLst>
-                      <a:ext uri="{FF2B5EF4-FFF2-40B4-BE49-F238E27FC236}">
-                        <a16:creationId xmlns:a16="http://schemas.microsoft.com/office/drawing/2014/main" id="{C3ECF4D5-6BBB-4AAA-B8F2-0CC02D7F1FAB}"/>
-                      </a:ext>
-                    </a:extLst>
-                  </p14:cNvPr>
-                  <p14:cNvContentPartPr/>
-                  <p14:nvPr/>
-                </p14:nvContentPartPr>
-                <p14:xfrm>
-                  <a:off x="4982940" y="3339120"/>
-                  <a:ext cx="2109240" cy="428400"/>
-                </p14:xfrm>
-              </p:contentPart>
-            </mc:Choice>
-            <mc:Fallback>
-              <p:pic>
-                <p:nvPicPr>
-                  <p:cNvPr id="35" name="잉크 34">
-                    <a:extLst>
-                      <a:ext uri="{FF2B5EF4-FFF2-40B4-BE49-F238E27FC236}">
-                        <a16:creationId xmlns:a16="http://schemas.microsoft.com/office/drawing/2014/main" id="{C3ECF4D5-6BBB-4AAA-B8F2-0CC02D7F1FAB}"/>
-                      </a:ext>
-                    </a:extLst>
-                  </p:cNvPr>
-                  <p:cNvPicPr/>
-                  <p:nvPr/>
-                </p:nvPicPr>
-                <p:blipFill>
-                  <a:blip r:embed="rId8"/>
-                  <a:stretch>
-                    <a:fillRect/>
-                  </a:stretch>
-                </p:blipFill>
-                <p:spPr>
-                  <a:xfrm>
-                    <a:off x="4944938" y="3276120"/>
-                    <a:ext cx="2185028" cy="554040"/>
-                  </a:xfrm>
-                  <a:prstGeom prst="rect">
-                    <a:avLst/>
-                  </a:prstGeom>
-                </p:spPr>
-              </p:pic>
-            </mc:Fallback>
-          </mc:AlternateContent>
-        </p:grpSp>
-        <p:sp>
-          <p:nvSpPr>
-            <p:cNvPr id="9" name="TextBox 8">
-              <a:extLst>
-                <a:ext uri="{FF2B5EF4-FFF2-40B4-BE49-F238E27FC236}">
-                  <a16:creationId xmlns:a16="http://schemas.microsoft.com/office/drawing/2014/main" id="{3FA758F8-F732-4F25-AA4D-10F2DEBCEDA9}"/>
-                </a:ext>
-              </a:extLst>
-            </p:cNvPr>
-            <p:cNvSpPr txBox="1"/>
-            <p:nvPr/>
-          </p:nvSpPr>
-          <p:spPr>
-            <a:xfrm>
-              <a:off x="2780919" y="2877093"/>
-              <a:ext cx="6611112" cy="1107996"/>
-            </a:xfrm>
-            <a:prstGeom prst="rect">
-              <a:avLst/>
-            </a:prstGeom>
-            <a:noFill/>
-          </p:spPr>
-          <p:txBody>
-            <a:bodyPr wrap="square" rtlCol="0">
-              <a:spAutoFit/>
-            </a:bodyPr>
-            <a:lstStyle/>
-            <a:p>
-              <a:pPr algn="ctr"/>
-              <a:r>
-                <a:rPr lang="en-US" altLang="ko-KR" sz="6600" b="1" spc="-300" dirty="0">
-                  <a:solidFill>
-                    <a:schemeClr val="bg1"/>
-                  </a:solidFill>
-                  <a:latin typeface="+mj-lt"/>
-                </a:rPr>
-                <a:t>WaterDragon</a:t>
-              </a:r>
-            </a:p>
-          </p:txBody>
-        </p:sp>
-        <p:sp>
-          <p:nvSpPr>
-            <p:cNvPr id="10" name="TextBox 9">
-              <a:extLst>
-                <a:ext uri="{FF2B5EF4-FFF2-40B4-BE49-F238E27FC236}">
-                  <a16:creationId xmlns:a16="http://schemas.microsoft.com/office/drawing/2014/main" id="{1DCAC948-1CD3-4418-925F-DCDEC09307CB}"/>
-                </a:ext>
-              </a:extLst>
-            </p:cNvPr>
-            <p:cNvSpPr txBox="1"/>
-            <p:nvPr/>
-          </p:nvSpPr>
-          <p:spPr>
-            <a:xfrm>
-              <a:off x="2790444" y="3623994"/>
-              <a:ext cx="6611112" cy="1015663"/>
-            </a:xfrm>
-            <a:prstGeom prst="rect">
-              <a:avLst/>
-            </a:prstGeom>
-            <a:noFill/>
-          </p:spPr>
-          <p:txBody>
-            <a:bodyPr wrap="square" rtlCol="0">
-              <a:spAutoFit/>
-            </a:bodyPr>
-            <a:lstStyle/>
-            <a:p>
-              <a:pPr algn="ctr"/>
-              <a:r>
-                <a:rPr lang="en-US" altLang="ko-KR" sz="6000" b="1" spc="-300" dirty="0">
-                  <a:solidFill>
-                    <a:schemeClr val="bg1"/>
-                  </a:solidFill>
-                  <a:latin typeface="+mj-lt"/>
-                </a:rPr>
-                <a:t>Footprint</a:t>
-              </a:r>
-            </a:p>
-          </p:txBody>
-        </p:sp>
-      </p:grpSp>
-    </p:spTree>
-    <p:extLst>
-      <p:ext uri="{BB962C8B-B14F-4D97-AF65-F5344CB8AC3E}">
-        <p14:creationId xmlns:p14="http://schemas.microsoft.com/office/powerpoint/2010/main" val="840293184"/>
-      </p:ext>
-    </p:extLst>
-  </p:cSld>
-  <p:clrMapOvr>
-    <a:masterClrMapping/>
-  </p:clrMapOvr>
-</p:sld>
-</file>
-
-<file path=ppt/slides/slide10.xml><?xml version="1.0" encoding="utf-8"?>
-<p:sld xmlns:a="http://schemas.openxmlformats.org/drawingml/2006/main" xmlns:r="http://schemas.openxmlformats.org/officeDocument/2006/relationships" xmlns:p="http://schemas.openxmlformats.org/presentationml/2006/main">
-  <p:cSld>
-    <p:bg>
-      <p:bgPr>
-        <a:solidFill>
-          <a:srgbClr val="537BC4"/>
-        </a:solidFill>
-        <a:effectLst/>
-      </p:bgPr>
-    </p:bg>
-    <p:spTree>
-      <p:nvGrpSpPr>
-        <p:cNvPr id="1" name=""/>
-        <p:cNvGrpSpPr/>
-        <p:nvPr/>
-      </p:nvGrpSpPr>
-      <p:grpSpPr>
-        <a:xfrm>
-          <a:off x="0" y="0"/>
-          <a:ext cx="0" cy="0"/>
-          <a:chOff x="0" y="0"/>
-          <a:chExt cx="0" cy="0"/>
-        </a:xfrm>
-      </p:grpSpPr>
-      <p:grpSp>
-        <p:nvGrpSpPr>
-          <p:cNvPr id="26" name="그룹 25">
-            <a:extLst>
-              <a:ext uri="{FF2B5EF4-FFF2-40B4-BE49-F238E27FC236}">
-                <a16:creationId xmlns:a16="http://schemas.microsoft.com/office/drawing/2014/main" id="{599D6B38-9E52-484A-AE2F-7139B88EB791}"/>
-              </a:ext>
-            </a:extLst>
-          </p:cNvPr>
-          <p:cNvGrpSpPr/>
-          <p:nvPr/>
-        </p:nvGrpSpPr>
-        <p:grpSpPr>
-          <a:xfrm>
-            <a:off x="5577989" y="4894213"/>
-            <a:ext cx="1076326" cy="1333559"/>
-            <a:chOff x="5514974" y="4894213"/>
-            <a:chExt cx="1162051" cy="1333559"/>
+            <a:off x="10404632" y="5105974"/>
+            <a:ext cx="1031155" cy="1179672"/>
+            <a:chOff x="5514974" y="5048100"/>
+            <a:chExt cx="1162051" cy="1179672"/>
           </a:xfrm>
         </p:grpSpPr>
         <p:sp>
@@ -5381,7 +4827,7 @@
           </p:nvSpPr>
           <p:spPr>
             <a:xfrm>
-              <a:off x="5514975" y="4894213"/>
+              <a:off x="5514975" y="5048100"/>
               <a:ext cx="1162050" cy="307777"/>
             </a:xfrm>
             <a:prstGeom prst="rect">
@@ -5430,7 +4876,7 @@
           </p:nvSpPr>
           <p:spPr>
             <a:xfrm>
-              <a:off x="5514975" y="5236140"/>
+              <a:off x="5514975" y="5338732"/>
               <a:ext cx="1162050" cy="307777"/>
             </a:xfrm>
             <a:prstGeom prst="rect">
@@ -5479,7 +4925,7 @@
           </p:nvSpPr>
           <p:spPr>
             <a:xfrm>
-              <a:off x="5514975" y="5578067"/>
+              <a:off x="5514975" y="5629364"/>
               <a:ext cx="1162050" cy="307777"/>
             </a:xfrm>
             <a:prstGeom prst="rect">
@@ -5578,7 +5024,7 @@
         </p:blipFill>
         <p:spPr>
           <a:xfrm>
-            <a:off x="4322636" y="415127"/>
+            <a:off x="4322636" y="866056"/>
             <a:ext cx="3270505" cy="3270505"/>
           </a:xfrm>
           <a:prstGeom prst="rect">
@@ -5600,7 +5046,7 @@
         </p:nvGrpSpPr>
         <p:grpSpPr>
           <a:xfrm>
-            <a:off x="4291014" y="2915231"/>
+            <a:off x="4291014" y="3366160"/>
             <a:ext cx="3959490" cy="579600"/>
             <a:chOff x="4936860" y="3187920"/>
             <a:chExt cx="2387880" cy="579600"/>
@@ -5774,7 +5220,7 @@
         </p:nvSpPr>
         <p:spPr>
           <a:xfrm>
-            <a:off x="2785682" y="2969693"/>
+            <a:off x="2785682" y="3328022"/>
             <a:ext cx="6611112" cy="1107996"/>
           </a:xfrm>
           <a:prstGeom prst="rect">
@@ -5796,7 +5242,7 @@
                 </a:solidFill>
                 <a:latin typeface="+mj-lt"/>
               </a:rPr>
-              <a:t>THANK</a:t>
+              <a:t>WaterDragon</a:t>
             </a:r>
           </a:p>
         </p:txBody>
@@ -5815,7 +5261,7 @@
         </p:nvSpPr>
         <p:spPr>
           <a:xfrm>
-            <a:off x="2795207" y="3716594"/>
+            <a:off x="2795207" y="4074923"/>
             <a:ext cx="6611112" cy="1015663"/>
           </a:xfrm>
           <a:prstGeom prst="rect">
@@ -5837,7 +5283,657 @@
                 </a:solidFill>
                 <a:latin typeface="+mj-lt"/>
               </a:rPr>
-              <a:t>YOU</a:t>
+              <a:t>Footprint</a:t>
+            </a:r>
+          </a:p>
+        </p:txBody>
+      </p:sp>
+      <p:sp>
+        <p:nvSpPr>
+          <p:cNvPr id="37" name="TextBox 36">
+            <a:extLst>
+              <a:ext uri="{FF2B5EF4-FFF2-40B4-BE49-F238E27FC236}">
+                <a16:creationId xmlns:a16="http://schemas.microsoft.com/office/drawing/2014/main" id="{79E3E02D-713B-4A89-8670-6E9AC158D737}"/>
+              </a:ext>
+            </a:extLst>
+          </p:cNvPr>
+          <p:cNvSpPr txBox="1"/>
+          <p:nvPr/>
+        </p:nvSpPr>
+        <p:spPr>
+          <a:xfrm>
+            <a:off x="10404632" y="4752032"/>
+            <a:ext cx="1031154" cy="338554"/>
+          </a:xfrm>
+          <a:prstGeom prst="rect">
+            <a:avLst/>
+          </a:prstGeom>
+          <a:noFill/>
+        </p:spPr>
+        <p:txBody>
+          <a:bodyPr wrap="square" rtlCol="0">
+            <a:spAutoFit/>
+          </a:bodyPr>
+          <a:lstStyle/>
+          <a:p>
+            <a:pPr algn="dist"/>
+            <a:r>
+              <a:rPr lang="en-US" altLang="ko-KR" sz="1600" dirty="0">
+                <a:solidFill>
+                  <a:schemeClr val="bg1"/>
+                </a:solidFill>
+                <a:latin typeface="+mj-ea"/>
+                <a:ea typeface="+mj-ea"/>
+              </a:rPr>
+              <a:t>team 28</a:t>
+            </a:r>
+          </a:p>
+        </p:txBody>
+      </p:sp>
+    </p:spTree>
+    <p:extLst>
+      <p:ext uri="{BB962C8B-B14F-4D97-AF65-F5344CB8AC3E}">
+        <p14:creationId xmlns:p14="http://schemas.microsoft.com/office/powerpoint/2010/main" val="840293184"/>
+      </p:ext>
+    </p:extLst>
+  </p:cSld>
+  <p:clrMapOvr>
+    <a:masterClrMapping/>
+  </p:clrMapOvr>
+  <mc:AlternateContent xmlns:mc="http://schemas.openxmlformats.org/markup-compatibility/2006">
+    <mc:Choice xmlns:p14="http://schemas.microsoft.com/office/powerpoint/2010/main" Requires="p14">
+      <p:transition spd="med" p14:dur="700">
+        <p:fade/>
+      </p:transition>
+    </mc:Choice>
+    <mc:Fallback>
+      <p:transition spd="med">
+        <p:fade/>
+      </p:transition>
+    </mc:Fallback>
+  </mc:AlternateContent>
+</p:sld>
+</file>
+
+<file path=ppt/slides/slide10.xml><?xml version="1.0" encoding="utf-8"?>
+<p:sld xmlns:a="http://schemas.openxmlformats.org/drawingml/2006/main" xmlns:r="http://schemas.openxmlformats.org/officeDocument/2006/relationships" xmlns:p="http://schemas.openxmlformats.org/presentationml/2006/main">
+  <p:cSld>
+    <p:bg>
+      <p:bgPr>
+        <a:solidFill>
+          <a:srgbClr val="537BC4"/>
+        </a:solidFill>
+        <a:effectLst/>
+      </p:bgPr>
+    </p:bg>
+    <p:spTree>
+      <p:nvGrpSpPr>
+        <p:cNvPr id="1" name=""/>
+        <p:cNvGrpSpPr/>
+        <p:nvPr/>
+      </p:nvGrpSpPr>
+      <p:grpSpPr>
+        <a:xfrm>
+          <a:off x="0" y="0"/>
+          <a:ext cx="0" cy="0"/>
+          <a:chOff x="0" y="0"/>
+          <a:chExt cx="0" cy="0"/>
+        </a:xfrm>
+      </p:grpSpPr>
+      <p:pic>
+        <p:nvPicPr>
+          <p:cNvPr id="7" name="그림 6">
+            <a:extLst>
+              <a:ext uri="{FF2B5EF4-FFF2-40B4-BE49-F238E27FC236}">
+                <a16:creationId xmlns:a16="http://schemas.microsoft.com/office/drawing/2014/main" id="{6ABCFD14-E233-41E5-A03C-4766543778B7}"/>
+              </a:ext>
+            </a:extLst>
+          </p:cNvPr>
+          <p:cNvPicPr>
+            <a:picLocks noChangeAspect="1"/>
+          </p:cNvPicPr>
+          <p:nvPr/>
+        </p:nvPicPr>
+        <p:blipFill>
+          <a:blip r:embed="rId2">
+            <a:extLst>
+              <a:ext uri="{28A0092B-C50C-407E-A947-70E740481C1C}">
+                <a14:useLocalDpi xmlns:a14="http://schemas.microsoft.com/office/drawing/2010/main" val="0"/>
+              </a:ext>
+            </a:extLst>
+          </a:blip>
+          <a:stretch>
+            <a:fillRect/>
+          </a:stretch>
+        </p:blipFill>
+        <p:spPr>
+          <a:xfrm>
+            <a:off x="4379723" y="942732"/>
+            <a:ext cx="3270505" cy="3270505"/>
+          </a:xfrm>
+          <a:prstGeom prst="rect">
+            <a:avLst/>
+          </a:prstGeom>
+        </p:spPr>
+      </p:pic>
+      <p:grpSp>
+        <p:nvGrpSpPr>
+          <p:cNvPr id="36" name="그룹 35">
+            <a:extLst>
+              <a:ext uri="{FF2B5EF4-FFF2-40B4-BE49-F238E27FC236}">
+                <a16:creationId xmlns:a16="http://schemas.microsoft.com/office/drawing/2014/main" id="{095B6046-E3DC-41F4-8CDA-DB54AEC23A59}"/>
+              </a:ext>
+            </a:extLst>
+          </p:cNvPr>
+          <p:cNvGrpSpPr/>
+          <p:nvPr/>
+        </p:nvGrpSpPr>
+        <p:grpSpPr>
+          <a:xfrm>
+            <a:off x="4291014" y="3442836"/>
+            <a:ext cx="3959490" cy="579600"/>
+            <a:chOff x="4936860" y="3187920"/>
+            <a:chExt cx="2387880" cy="579600"/>
+          </a:xfrm>
+        </p:grpSpPr>
+        <mc:AlternateContent xmlns:mc="http://schemas.openxmlformats.org/markup-compatibility/2006">
+          <mc:Choice xmlns:p14="http://schemas.microsoft.com/office/powerpoint/2010/main" Requires="p14">
+            <p:contentPart p14:bwMode="auto" r:id="rId3">
+              <p14:nvContentPartPr>
+                <p14:cNvPr id="33" name="잉크 32">
+                  <a:extLst>
+                    <a:ext uri="{FF2B5EF4-FFF2-40B4-BE49-F238E27FC236}">
+                      <a16:creationId xmlns:a16="http://schemas.microsoft.com/office/drawing/2014/main" id="{CD3CC4A0-1CDA-4F9D-B4CC-BD117B147EDF}"/>
+                    </a:ext>
+                  </a:extLst>
+                </p14:cNvPr>
+                <p14:cNvContentPartPr/>
+                <p14:nvPr/>
+              </p14:nvContentPartPr>
+              <p14:xfrm>
+                <a:off x="4936860" y="3187920"/>
+                <a:ext cx="2387880" cy="320400"/>
+              </p14:xfrm>
+            </p:contentPart>
+          </mc:Choice>
+          <mc:Fallback>
+            <p:pic>
+              <p:nvPicPr>
+                <p:cNvPr id="33" name="잉크 32">
+                  <a:extLst>
+                    <a:ext uri="{FF2B5EF4-FFF2-40B4-BE49-F238E27FC236}">
+                      <a16:creationId xmlns:a16="http://schemas.microsoft.com/office/drawing/2014/main" id="{CD3CC4A0-1CDA-4F9D-B4CC-BD117B147EDF}"/>
+                    </a:ext>
+                  </a:extLst>
+                </p:cNvPr>
+                <p:cNvPicPr/>
+                <p:nvPr/>
+              </p:nvPicPr>
+              <p:blipFill>
+                <a:blip r:embed="rId4"/>
+                <a:stretch>
+                  <a:fillRect/>
+                </a:stretch>
+              </p:blipFill>
+              <p:spPr>
+                <a:xfrm>
+                  <a:off x="4898864" y="3124849"/>
+                  <a:ext cx="2463655" cy="446181"/>
+                </a:xfrm>
+                <a:prstGeom prst="rect">
+                  <a:avLst/>
+                </a:prstGeom>
+              </p:spPr>
+            </p:pic>
+          </mc:Fallback>
+        </mc:AlternateContent>
+        <mc:AlternateContent xmlns:mc="http://schemas.openxmlformats.org/markup-compatibility/2006">
+          <mc:Choice xmlns:p14="http://schemas.microsoft.com/office/powerpoint/2010/main" Requires="p14">
+            <p:contentPart p14:bwMode="auto" r:id="rId5">
+              <p14:nvContentPartPr>
+                <p14:cNvPr id="34" name="잉크 33">
+                  <a:extLst>
+                    <a:ext uri="{FF2B5EF4-FFF2-40B4-BE49-F238E27FC236}">
+                      <a16:creationId xmlns:a16="http://schemas.microsoft.com/office/drawing/2014/main" id="{FF97337C-9C32-431F-B1DF-2D92E3EEA415}"/>
+                    </a:ext>
+                  </a:extLst>
+                </p14:cNvPr>
+                <p14:cNvContentPartPr/>
+                <p14:nvPr/>
+              </p14:nvContentPartPr>
+              <p14:xfrm>
+                <a:off x="5363100" y="3321480"/>
+                <a:ext cx="1474920" cy="330840"/>
+              </p14:xfrm>
+            </p:contentPart>
+          </mc:Choice>
+          <mc:Fallback>
+            <p:pic>
+              <p:nvPicPr>
+                <p:cNvPr id="34" name="잉크 33">
+                  <a:extLst>
+                    <a:ext uri="{FF2B5EF4-FFF2-40B4-BE49-F238E27FC236}">
+                      <a16:creationId xmlns:a16="http://schemas.microsoft.com/office/drawing/2014/main" id="{FF97337C-9C32-431F-B1DF-2D92E3EEA415}"/>
+                    </a:ext>
+                  </a:extLst>
+                </p:cNvPr>
+                <p:cNvPicPr/>
+                <p:nvPr/>
+              </p:nvPicPr>
+              <p:blipFill>
+                <a:blip r:embed="rId6"/>
+                <a:stretch>
+                  <a:fillRect/>
+                </a:stretch>
+              </p:blipFill>
+              <p:spPr>
+                <a:xfrm>
+                  <a:off x="5325103" y="3258480"/>
+                  <a:ext cx="1550696" cy="456480"/>
+                </a:xfrm>
+                <a:prstGeom prst="rect">
+                  <a:avLst/>
+                </a:prstGeom>
+              </p:spPr>
+            </p:pic>
+          </mc:Fallback>
+        </mc:AlternateContent>
+        <mc:AlternateContent xmlns:mc="http://schemas.openxmlformats.org/markup-compatibility/2006">
+          <mc:Choice xmlns:p14="http://schemas.microsoft.com/office/powerpoint/2010/main" Requires="p14">
+            <p:contentPart p14:bwMode="auto" r:id="rId7">
+              <p14:nvContentPartPr>
+                <p14:cNvPr id="35" name="잉크 34">
+                  <a:extLst>
+                    <a:ext uri="{FF2B5EF4-FFF2-40B4-BE49-F238E27FC236}">
+                      <a16:creationId xmlns:a16="http://schemas.microsoft.com/office/drawing/2014/main" id="{C3ECF4D5-6BBB-4AAA-B8F2-0CC02D7F1FAB}"/>
+                    </a:ext>
+                  </a:extLst>
+                </p14:cNvPr>
+                <p14:cNvContentPartPr/>
+                <p14:nvPr/>
+              </p14:nvContentPartPr>
+              <p14:xfrm>
+                <a:off x="4982940" y="3339120"/>
+                <a:ext cx="2109240" cy="428400"/>
+              </p14:xfrm>
+            </p:contentPart>
+          </mc:Choice>
+          <mc:Fallback>
+            <p:pic>
+              <p:nvPicPr>
+                <p:cNvPr id="35" name="잉크 34">
+                  <a:extLst>
+                    <a:ext uri="{FF2B5EF4-FFF2-40B4-BE49-F238E27FC236}">
+                      <a16:creationId xmlns:a16="http://schemas.microsoft.com/office/drawing/2014/main" id="{C3ECF4D5-6BBB-4AAA-B8F2-0CC02D7F1FAB}"/>
+                    </a:ext>
+                  </a:extLst>
+                </p:cNvPr>
+                <p:cNvPicPr/>
+                <p:nvPr/>
+              </p:nvPicPr>
+              <p:blipFill>
+                <a:blip r:embed="rId8"/>
+                <a:stretch>
+                  <a:fillRect/>
+                </a:stretch>
+              </p:blipFill>
+              <p:spPr>
+                <a:xfrm>
+                  <a:off x="4944938" y="3276120"/>
+                  <a:ext cx="2185028" cy="554040"/>
+                </a:xfrm>
+                <a:prstGeom prst="rect">
+                  <a:avLst/>
+                </a:prstGeom>
+              </p:spPr>
+            </p:pic>
+          </mc:Fallback>
+        </mc:AlternateContent>
+      </p:grpSp>
+      <p:grpSp>
+        <p:nvGrpSpPr>
+          <p:cNvPr id="4" name="그룹 3">
+            <a:extLst>
+              <a:ext uri="{FF2B5EF4-FFF2-40B4-BE49-F238E27FC236}">
+                <a16:creationId xmlns:a16="http://schemas.microsoft.com/office/drawing/2014/main" id="{ABD5B41A-E4E9-4158-80AF-1254BB150CF1}"/>
+              </a:ext>
+            </a:extLst>
+          </p:cNvPr>
+          <p:cNvGrpSpPr/>
+          <p:nvPr/>
+        </p:nvGrpSpPr>
+        <p:grpSpPr>
+          <a:xfrm>
+            <a:off x="2785682" y="3543598"/>
+            <a:ext cx="6620637" cy="1762564"/>
+            <a:chOff x="2785682" y="3543598"/>
+            <a:chExt cx="6620637" cy="1762564"/>
+          </a:xfrm>
+        </p:grpSpPr>
+        <p:sp>
+          <p:nvSpPr>
+            <p:cNvPr id="9" name="TextBox 8">
+              <a:extLst>
+                <a:ext uri="{FF2B5EF4-FFF2-40B4-BE49-F238E27FC236}">
+                  <a16:creationId xmlns:a16="http://schemas.microsoft.com/office/drawing/2014/main" id="{3FA758F8-F732-4F25-AA4D-10F2DEBCEDA9}"/>
+                </a:ext>
+              </a:extLst>
+            </p:cNvPr>
+            <p:cNvSpPr txBox="1"/>
+            <p:nvPr/>
+          </p:nvSpPr>
+          <p:spPr>
+            <a:xfrm>
+              <a:off x="2785682" y="3543598"/>
+              <a:ext cx="6611112" cy="1107996"/>
+            </a:xfrm>
+            <a:prstGeom prst="rect">
+              <a:avLst/>
+            </a:prstGeom>
+            <a:noFill/>
+          </p:spPr>
+          <p:txBody>
+            <a:bodyPr wrap="square" rtlCol="0">
+              <a:spAutoFit/>
+            </a:bodyPr>
+            <a:lstStyle/>
+            <a:p>
+              <a:pPr algn="ctr"/>
+              <a:r>
+                <a:rPr lang="en-US" altLang="ko-KR" sz="6600" b="1" spc="-300" dirty="0">
+                  <a:solidFill>
+                    <a:schemeClr val="bg1"/>
+                  </a:solidFill>
+                  <a:latin typeface="+mj-lt"/>
+                </a:rPr>
+                <a:t>THANK</a:t>
+              </a:r>
+            </a:p>
+          </p:txBody>
+        </p:sp>
+        <p:sp>
+          <p:nvSpPr>
+            <p:cNvPr id="10" name="TextBox 9">
+              <a:extLst>
+                <a:ext uri="{FF2B5EF4-FFF2-40B4-BE49-F238E27FC236}">
+                  <a16:creationId xmlns:a16="http://schemas.microsoft.com/office/drawing/2014/main" id="{1DCAC948-1CD3-4418-925F-DCDEC09307CB}"/>
+                </a:ext>
+              </a:extLst>
+            </p:cNvPr>
+            <p:cNvSpPr txBox="1"/>
+            <p:nvPr/>
+          </p:nvSpPr>
+          <p:spPr>
+            <a:xfrm>
+              <a:off x="2795207" y="4290499"/>
+              <a:ext cx="6611112" cy="1015663"/>
+            </a:xfrm>
+            <a:prstGeom prst="rect">
+              <a:avLst/>
+            </a:prstGeom>
+            <a:noFill/>
+          </p:spPr>
+          <p:txBody>
+            <a:bodyPr wrap="square" rtlCol="0">
+              <a:spAutoFit/>
+            </a:bodyPr>
+            <a:lstStyle/>
+            <a:p>
+              <a:pPr algn="ctr"/>
+              <a:r>
+                <a:rPr lang="en-US" altLang="ko-KR" sz="6000" b="1" spc="-300" dirty="0">
+                  <a:solidFill>
+                    <a:schemeClr val="bg1"/>
+                  </a:solidFill>
+                  <a:latin typeface="+mj-lt"/>
+                </a:rPr>
+                <a:t>YOU</a:t>
+              </a:r>
+            </a:p>
+          </p:txBody>
+        </p:sp>
+      </p:grpSp>
+      <p:grpSp>
+        <p:nvGrpSpPr>
+          <p:cNvPr id="17" name="그룹 16">
+            <a:extLst>
+              <a:ext uri="{FF2B5EF4-FFF2-40B4-BE49-F238E27FC236}">
+                <a16:creationId xmlns:a16="http://schemas.microsoft.com/office/drawing/2014/main" id="{AA314D9C-4DCB-48A3-9E53-111F13F4816E}"/>
+              </a:ext>
+            </a:extLst>
+          </p:cNvPr>
+          <p:cNvGrpSpPr/>
+          <p:nvPr/>
+        </p:nvGrpSpPr>
+        <p:grpSpPr>
+          <a:xfrm>
+            <a:off x="10404632" y="5105974"/>
+            <a:ext cx="1031155" cy="1179672"/>
+            <a:chOff x="5514974" y="5048100"/>
+            <a:chExt cx="1162051" cy="1179672"/>
+          </a:xfrm>
+        </p:grpSpPr>
+        <p:sp>
+          <p:nvSpPr>
+            <p:cNvPr id="18" name="TextBox 17">
+              <a:extLst>
+                <a:ext uri="{FF2B5EF4-FFF2-40B4-BE49-F238E27FC236}">
+                  <a16:creationId xmlns:a16="http://schemas.microsoft.com/office/drawing/2014/main" id="{AF39E930-CFF0-403F-B168-0B7F204AA9B4}"/>
+                </a:ext>
+              </a:extLst>
+            </p:cNvPr>
+            <p:cNvSpPr txBox="1"/>
+            <p:nvPr/>
+          </p:nvSpPr>
+          <p:spPr>
+            <a:xfrm>
+              <a:off x="5514975" y="5048100"/>
+              <a:ext cx="1162050" cy="307777"/>
+            </a:xfrm>
+            <a:prstGeom prst="rect">
+              <a:avLst/>
+            </a:prstGeom>
+            <a:noFill/>
+          </p:spPr>
+          <p:txBody>
+            <a:bodyPr wrap="square" rtlCol="0">
+              <a:spAutoFit/>
+            </a:bodyPr>
+            <a:lstStyle/>
+            <a:p>
+              <a:pPr algn="dist"/>
+              <a:r>
+                <a:rPr lang="ko-KR" altLang="en-US" sz="1370" dirty="0">
+                  <a:solidFill>
+                    <a:schemeClr val="bg1"/>
+                  </a:solidFill>
+                  <a:latin typeface="나눔스퀘어" panose="020B0600000101010101" pitchFamily="50" charset="-127"/>
+                  <a:ea typeface="나눔스퀘어" panose="020B0600000101010101" pitchFamily="50" charset="-127"/>
+                </a:rPr>
+                <a:t>신민선</a:t>
+              </a:r>
+              <a:endParaRPr lang="en-US" altLang="ko-KR" sz="1370" dirty="0">
+                <a:solidFill>
+                  <a:schemeClr val="bg1"/>
+                </a:solidFill>
+                <a:latin typeface="나눔스퀘어" panose="020B0600000101010101" pitchFamily="50" charset="-127"/>
+                <a:ea typeface="나눔스퀘어" panose="020B0600000101010101" pitchFamily="50" charset="-127"/>
+              </a:endParaRPr>
+            </a:p>
+          </p:txBody>
+        </p:sp>
+        <p:sp>
+          <p:nvSpPr>
+            <p:cNvPr id="19" name="TextBox 18">
+              <a:extLst>
+                <a:ext uri="{FF2B5EF4-FFF2-40B4-BE49-F238E27FC236}">
+                  <a16:creationId xmlns:a16="http://schemas.microsoft.com/office/drawing/2014/main" id="{01C38A9D-196D-4878-96FF-61B59C93ABE6}"/>
+                </a:ext>
+              </a:extLst>
+            </p:cNvPr>
+            <p:cNvSpPr txBox="1"/>
+            <p:nvPr/>
+          </p:nvSpPr>
+          <p:spPr>
+            <a:xfrm>
+              <a:off x="5514975" y="5338732"/>
+              <a:ext cx="1162050" cy="307777"/>
+            </a:xfrm>
+            <a:prstGeom prst="rect">
+              <a:avLst/>
+            </a:prstGeom>
+            <a:noFill/>
+          </p:spPr>
+          <p:txBody>
+            <a:bodyPr wrap="square" rtlCol="0">
+              <a:spAutoFit/>
+            </a:bodyPr>
+            <a:lstStyle/>
+            <a:p>
+              <a:pPr algn="dist"/>
+              <a:r>
+                <a:rPr lang="ko-KR" altLang="en-US" sz="1370" dirty="0">
+                  <a:solidFill>
+                    <a:schemeClr val="bg1"/>
+                  </a:solidFill>
+                  <a:latin typeface="나눔스퀘어" panose="020B0600000101010101" pitchFamily="50" charset="-127"/>
+                  <a:ea typeface="나눔스퀘어" panose="020B0600000101010101" pitchFamily="50" charset="-127"/>
+                </a:rPr>
+                <a:t>이지원</a:t>
+              </a:r>
+              <a:endParaRPr lang="en-US" altLang="ko-KR" sz="1370" dirty="0">
+                <a:solidFill>
+                  <a:schemeClr val="bg1"/>
+                </a:solidFill>
+                <a:latin typeface="나눔스퀘어" panose="020B0600000101010101" pitchFamily="50" charset="-127"/>
+                <a:ea typeface="나눔스퀘어" panose="020B0600000101010101" pitchFamily="50" charset="-127"/>
+              </a:endParaRPr>
+            </a:p>
+          </p:txBody>
+        </p:sp>
+        <p:sp>
+          <p:nvSpPr>
+            <p:cNvPr id="20" name="TextBox 19">
+              <a:extLst>
+                <a:ext uri="{FF2B5EF4-FFF2-40B4-BE49-F238E27FC236}">
+                  <a16:creationId xmlns:a16="http://schemas.microsoft.com/office/drawing/2014/main" id="{D01CDFEA-BCFC-4FAF-8878-8B963314D998}"/>
+                </a:ext>
+              </a:extLst>
+            </p:cNvPr>
+            <p:cNvSpPr txBox="1"/>
+            <p:nvPr/>
+          </p:nvSpPr>
+          <p:spPr>
+            <a:xfrm>
+              <a:off x="5514975" y="5629364"/>
+              <a:ext cx="1162050" cy="307777"/>
+            </a:xfrm>
+            <a:prstGeom prst="rect">
+              <a:avLst/>
+            </a:prstGeom>
+            <a:noFill/>
+          </p:spPr>
+          <p:txBody>
+            <a:bodyPr wrap="square" rtlCol="0">
+              <a:spAutoFit/>
+            </a:bodyPr>
+            <a:lstStyle/>
+            <a:p>
+              <a:pPr algn="dist"/>
+              <a:r>
+                <a:rPr lang="ko-KR" altLang="en-US" sz="1370" dirty="0">
+                  <a:solidFill>
+                    <a:schemeClr val="bg1"/>
+                  </a:solidFill>
+                  <a:latin typeface="나눔스퀘어" panose="020B0600000101010101" pitchFamily="50" charset="-127"/>
+                  <a:ea typeface="나눔스퀘어" panose="020B0600000101010101" pitchFamily="50" charset="-127"/>
+                </a:rPr>
+                <a:t>이현지 </a:t>
+              </a:r>
+            </a:p>
+          </p:txBody>
+        </p:sp>
+        <p:sp>
+          <p:nvSpPr>
+            <p:cNvPr id="21" name="TextBox 20">
+              <a:extLst>
+                <a:ext uri="{FF2B5EF4-FFF2-40B4-BE49-F238E27FC236}">
+                  <a16:creationId xmlns:a16="http://schemas.microsoft.com/office/drawing/2014/main" id="{F53FE1BB-840B-4CDF-A30D-6055DE3C7542}"/>
+                </a:ext>
+              </a:extLst>
+            </p:cNvPr>
+            <p:cNvSpPr txBox="1"/>
+            <p:nvPr/>
+          </p:nvSpPr>
+          <p:spPr>
+            <a:xfrm>
+              <a:off x="5514974" y="5919995"/>
+              <a:ext cx="1162050" cy="307777"/>
+            </a:xfrm>
+            <a:prstGeom prst="rect">
+              <a:avLst/>
+            </a:prstGeom>
+            <a:noFill/>
+          </p:spPr>
+          <p:txBody>
+            <a:bodyPr wrap="square" rtlCol="0">
+              <a:spAutoFit/>
+            </a:bodyPr>
+            <a:lstStyle/>
+            <a:p>
+              <a:pPr algn="dist"/>
+              <a:r>
+                <a:rPr lang="ko-KR" altLang="en-US" sz="1370" dirty="0">
+                  <a:solidFill>
+                    <a:schemeClr val="bg1"/>
+                  </a:solidFill>
+                  <a:latin typeface="나눔스퀘어" panose="020B0600000101010101" pitchFamily="50" charset="-127"/>
+                  <a:ea typeface="나눔스퀘어" panose="020B0600000101010101" pitchFamily="50" charset="-127"/>
+                </a:rPr>
+                <a:t>전채연 </a:t>
+              </a:r>
+            </a:p>
+          </p:txBody>
+        </p:sp>
+      </p:grpSp>
+      <p:sp>
+        <p:nvSpPr>
+          <p:cNvPr id="22" name="TextBox 21">
+            <a:extLst>
+              <a:ext uri="{FF2B5EF4-FFF2-40B4-BE49-F238E27FC236}">
+                <a16:creationId xmlns:a16="http://schemas.microsoft.com/office/drawing/2014/main" id="{944D85ED-C96C-4B08-AED5-3EB94946413F}"/>
+              </a:ext>
+            </a:extLst>
+          </p:cNvPr>
+          <p:cNvSpPr txBox="1"/>
+          <p:nvPr/>
+        </p:nvSpPr>
+        <p:spPr>
+          <a:xfrm>
+            <a:off x="10404632" y="4752032"/>
+            <a:ext cx="1031154" cy="338554"/>
+          </a:xfrm>
+          <a:prstGeom prst="rect">
+            <a:avLst/>
+          </a:prstGeom>
+          <a:noFill/>
+        </p:spPr>
+        <p:txBody>
+          <a:bodyPr wrap="square" rtlCol="0">
+            <a:spAutoFit/>
+          </a:bodyPr>
+          <a:lstStyle/>
+          <a:p>
+            <a:pPr algn="dist"/>
+            <a:r>
+              <a:rPr lang="en-US" altLang="ko-KR" sz="1600" dirty="0">
+                <a:solidFill>
+                  <a:schemeClr val="bg1"/>
+                </a:solidFill>
+                <a:latin typeface="+mj-ea"/>
+                <a:ea typeface="+mj-ea"/>
+              </a:rPr>
+              <a:t>team 28</a:t>
             </a:r>
           </a:p>
         </p:txBody>
@@ -5852,6 +5948,18 @@
   <p:clrMapOvr>
     <a:masterClrMapping/>
   </p:clrMapOvr>
+  <mc:AlternateContent xmlns:mc="http://schemas.openxmlformats.org/markup-compatibility/2006">
+    <mc:Choice xmlns:p14="http://schemas.microsoft.com/office/powerpoint/2010/main" Requires="p14">
+      <p:transition spd="med" p14:dur="700">
+        <p:fade/>
+      </p:transition>
+    </mc:Choice>
+    <mc:Fallback>
+      <p:transition spd="med">
+        <p:fade/>
+      </p:transition>
+    </mc:Fallback>
+  </mc:AlternateContent>
 </p:sld>
 </file>
 
@@ -6675,6 +6783,18 @@
   <p:clrMapOvr>
     <a:masterClrMapping/>
   </p:clrMapOvr>
+  <mc:AlternateContent xmlns:mc="http://schemas.openxmlformats.org/markup-compatibility/2006">
+    <mc:Choice xmlns:p14="http://schemas.microsoft.com/office/powerpoint/2010/main" Requires="p14">
+      <p:transition spd="med" p14:dur="700">
+        <p:fade/>
+      </p:transition>
+    </mc:Choice>
+    <mc:Fallback>
+      <p:transition spd="med">
+        <p:fade/>
+      </p:transition>
+    </mc:Fallback>
+  </mc:AlternateContent>
 </p:sld>
 </file>
 
@@ -7479,7 +7599,7 @@
                 <a:latin typeface="+mj-ea"/>
                 <a:ea typeface="+mj-ea"/>
               </a:rPr>
-              <a:t>인증</a:t>
+              <a:t>인증 및 뱃지 수집</a:t>
             </a:r>
           </a:p>
         </p:txBody>
@@ -7655,6 +7775,18 @@
   <p:clrMapOvr>
     <a:masterClrMapping/>
   </p:clrMapOvr>
+  <mc:AlternateContent xmlns:mc="http://schemas.openxmlformats.org/markup-compatibility/2006">
+    <mc:Choice xmlns:p14="http://schemas.microsoft.com/office/powerpoint/2010/main" Requires="p14">
+      <p:transition spd="med" p14:dur="700">
+        <p:fade/>
+      </p:transition>
+    </mc:Choice>
+    <mc:Fallback>
+      <p:transition spd="med">
+        <p:fade/>
+      </p:transition>
+    </mc:Fallback>
+  </mc:AlternateContent>
 </p:sld>
 </file>
 
@@ -8153,6 +8285,18 @@
   <p:clrMapOvr>
     <a:masterClrMapping/>
   </p:clrMapOvr>
+  <mc:AlternateContent xmlns:mc="http://schemas.openxmlformats.org/markup-compatibility/2006">
+    <mc:Choice xmlns:p14="http://schemas.microsoft.com/office/powerpoint/2010/main" Requires="p14">
+      <p:transition spd="med" p14:dur="700">
+        <p:fade/>
+      </p:transition>
+    </mc:Choice>
+    <mc:Fallback>
+      <p:transition spd="med">
+        <p:fade/>
+      </p:transition>
+    </mc:Fallback>
+  </mc:AlternateContent>
 </p:sld>
 </file>
 
@@ -8722,6 +8866,18 @@
   <p:clrMapOvr>
     <a:masterClrMapping/>
   </p:clrMapOvr>
+  <mc:AlternateContent xmlns:mc="http://schemas.openxmlformats.org/markup-compatibility/2006">
+    <mc:Choice xmlns:p14="http://schemas.microsoft.com/office/powerpoint/2010/main" Requires="p14">
+      <p:transition spd="med" p14:dur="700">
+        <p:fade/>
+      </p:transition>
+    </mc:Choice>
+    <mc:Fallback>
+      <p:transition spd="med">
+        <p:fade/>
+      </p:transition>
+    </mc:Fallback>
+  </mc:AlternateContent>
 </p:sld>
 </file>
 
@@ -9246,6 +9402,18 @@
   <p:clrMapOvr>
     <a:masterClrMapping/>
   </p:clrMapOvr>
+  <mc:AlternateContent xmlns:mc="http://schemas.openxmlformats.org/markup-compatibility/2006">
+    <mc:Choice xmlns:p14="http://schemas.microsoft.com/office/powerpoint/2010/main" Requires="p14">
+      <p:transition spd="med" p14:dur="700">
+        <p:fade/>
+      </p:transition>
+    </mc:Choice>
+    <mc:Fallback>
+      <p:transition spd="med">
+        <p:fade/>
+      </p:transition>
+    </mc:Fallback>
+  </mc:AlternateContent>
 </p:sld>
 </file>
 
@@ -9739,6 +9907,18 @@
   <p:clrMapOvr>
     <a:masterClrMapping/>
   </p:clrMapOvr>
+  <mc:AlternateContent xmlns:mc="http://schemas.openxmlformats.org/markup-compatibility/2006">
+    <mc:Choice xmlns:p14="http://schemas.microsoft.com/office/powerpoint/2010/main" Requires="p14">
+      <p:transition spd="med" p14:dur="700">
+        <p:fade/>
+      </p:transition>
+    </mc:Choice>
+    <mc:Fallback>
+      <p:transition spd="med">
+        <p:fade/>
+      </p:transition>
+    </mc:Fallback>
+  </mc:AlternateContent>
 </p:sld>
 </file>
 
@@ -10241,6 +10421,18 @@
   <p:clrMapOvr>
     <a:masterClrMapping/>
   </p:clrMapOvr>
+  <mc:AlternateContent xmlns:mc="http://schemas.openxmlformats.org/markup-compatibility/2006">
+    <mc:Choice xmlns:p14="http://schemas.microsoft.com/office/powerpoint/2010/main" Requires="p14">
+      <p:transition spd="med" p14:dur="700">
+        <p:fade/>
+      </p:transition>
+    </mc:Choice>
+    <mc:Fallback>
+      <p:transition spd="med">
+        <p:fade/>
+      </p:transition>
+    </mc:Fallback>
+  </mc:AlternateContent>
 </p:sld>
 </file>
 
@@ -10497,7 +10689,7 @@
         </p:nvGrpSpPr>
         <p:grpSpPr>
           <a:xfrm>
-            <a:off x="2666350" y="2052474"/>
+            <a:off x="2666350" y="2202945"/>
             <a:ext cx="6859301" cy="2753052"/>
             <a:chOff x="2666350" y="2110349"/>
             <a:chExt cx="6859301" cy="2753052"/>
@@ -11079,6 +11271,18 @@
   <p:clrMapOvr>
     <a:masterClrMapping/>
   </p:clrMapOvr>
+  <mc:AlternateContent xmlns:mc="http://schemas.openxmlformats.org/markup-compatibility/2006">
+    <mc:Choice xmlns:p14="http://schemas.microsoft.com/office/powerpoint/2010/main" Requires="p14">
+      <p:transition spd="med" p14:dur="700">
+        <p:fade/>
+      </p:transition>
+    </mc:Choice>
+    <mc:Fallback>
+      <p:transition spd="med">
+        <p:fade/>
+      </p:transition>
+    </mc:Fallback>
+  </mc:AlternateContent>
 </p:sld>
 </file>
 
